--- a/1 etim ds 2022/LPL/Indígenas/TRIBO KULINA.pptx
+++ b/1 etim ds 2022/LPL/Indígenas/TRIBO KULINA.pptx
@@ -122,6 +122,7 @@
 <p1510:revInfo xmlns:a="http://schemas.openxmlformats.org/drawingml/2006/main" xmlns:r="http://schemas.openxmlformats.org/officeDocument/2006/relationships" xmlns:p1510="http://schemas.microsoft.com/office/powerpoint/2015/10/main">
   <p1510:revLst>
     <p1510:client id="{6ECDE1AD-F92F-4872-B49F-B228A60CC9C3}" v="446" dt="2022-08-03T01:56:11.917"/>
+    <p1510:client id="{A91A690C-4C0B-8D2B-B503-62C0A40288EA}" v="97" dt="2022-08-04T01:36:08.254"/>
   </p1510:revLst>
 </p1510:revInfo>
 </file>
@@ -341,7 +342,7 @@
           <a:p>
             <a:fld id="{9AB3A824-1A51-4B26-AD58-A6D8E14F6C04}" type="datetimeFigureOut">
               <a:rPr lang="en-US" dirty="0"/>
-              <a:t>8/2/2022</a:t>
+              <a:t>8/3/2022</a:t>
             </a:fld>
             <a:endParaRPr lang="en-US" dirty="0"/>
           </a:p>
@@ -678,7 +679,7 @@
           <a:p>
             <a:fld id="{D857E33E-8B18-4087-B112-809917729534}" type="datetimeFigureOut">
               <a:rPr lang="en-US" dirty="0"/>
-              <a:t>8/2/2022</a:t>
+              <a:t>8/3/2022</a:t>
             </a:fld>
             <a:endParaRPr lang="en-US" dirty="0"/>
           </a:p>
@@ -983,7 +984,7 @@
           <a:p>
             <a:fld id="{D3FFE419-2371-464F-8239-3959401C3561}" type="datetimeFigureOut">
               <a:rPr lang="en-US" dirty="0"/>
-              <a:t>8/2/2022</a:t>
+              <a:t>8/3/2022</a:t>
             </a:fld>
             <a:endParaRPr lang="en-US" dirty="0"/>
           </a:p>
@@ -1233,7 +1234,7 @@
           <a:p>
             <a:fld id="{97D162C4-EDD9-4389-A98B-B87ECEA2A816}" type="datetimeFigureOut">
               <a:rPr lang="en-US" dirty="0"/>
-              <a:t>8/2/2022</a:t>
+              <a:t>8/3/2022</a:t>
             </a:fld>
             <a:endParaRPr lang="en-US" dirty="0"/>
           </a:p>
@@ -1644,7 +1645,7 @@
           <a:p>
             <a:fld id="{3E5059C3-6A89-4494-99FF-5A4D6FFD50EB}" type="datetimeFigureOut">
               <a:rPr lang="en-US" dirty="0"/>
-              <a:t>8/2/2022</a:t>
+              <a:t>8/3/2022</a:t>
             </a:fld>
             <a:endParaRPr lang="en-US" dirty="0"/>
           </a:p>
@@ -1960,7 +1961,7 @@
           <a:p>
             <a:fld id="{CA954B2F-12DE-47F5-8894-472B206D2E1E}" type="datetimeFigureOut">
               <a:rPr lang="en-US" dirty="0"/>
-              <a:t>8/2/2022</a:t>
+              <a:t>8/3/2022</a:t>
             </a:fld>
             <a:endParaRPr lang="en-US" dirty="0"/>
           </a:p>
@@ -2506,7 +2507,7 @@
           <a:p>
             <a:fld id="{3F30E46F-7819-4ACF-B48B-48222C2ACC88}" type="datetimeFigureOut">
               <a:rPr lang="en-US" dirty="0"/>
-              <a:t>8/2/2022</a:t>
+              <a:t>8/3/2022</a:t>
             </a:fld>
             <a:endParaRPr lang="en-US" dirty="0"/>
           </a:p>
@@ -2705,7 +2706,7 @@
           <a:p>
             <a:fld id="{1FAF3416-4057-4DAA-829D-4CA07428D088}" type="datetimeFigureOut">
               <a:rPr lang="en-US" dirty="0"/>
-              <a:t>8/2/2022</a:t>
+              <a:t>8/3/2022</a:t>
             </a:fld>
             <a:endParaRPr lang="en-US" dirty="0"/>
           </a:p>
@@ -2923,7 +2924,7 @@
           <a:p>
             <a:fld id="{921D9284-D300-4297-87F7-E791DCC15DB1}" type="datetimeFigureOut">
               <a:rPr lang="en-US" dirty="0"/>
-              <a:t>8/2/2022</a:t>
+              <a:t>8/3/2022</a:t>
             </a:fld>
             <a:endParaRPr lang="en-US" dirty="0"/>
           </a:p>
@@ -3295,7 +3296,7 @@
           <a:p>
             <a:fld id="{37D525BB-DA17-4BA0-B3C8-3AC3ABC827E6}" type="datetimeFigureOut">
               <a:rPr lang="en-US" dirty="0"/>
-              <a:t>8/2/2022</a:t>
+              <a:t>8/3/2022</a:t>
             </a:fld>
             <a:endParaRPr lang="en-US" dirty="0"/>
           </a:p>
@@ -3698,7 +3699,7 @@
           <a:p>
             <a:fld id="{B16C4C9A-3960-41CF-A4E9-2A8FB932454B}" type="datetimeFigureOut">
               <a:rPr lang="en-US" dirty="0"/>
-              <a:t>8/2/2022</a:t>
+              <a:t>8/3/2022</a:t>
             </a:fld>
             <a:endParaRPr lang="en-US" dirty="0"/>
           </a:p>
@@ -4040,7 +4041,7 @@
           <a:p>
             <a:fld id="{3CBC1C18-307B-4F68-A007-B5B542270E8D}" type="datetimeFigureOut">
               <a:rPr lang="en-US" dirty="0"/>
-              <a:t>8/2/2022</a:t>
+              <a:t>8/3/2022</a:t>
             </a:fld>
             <a:endParaRPr lang="en-US" dirty="0"/>
           </a:p>
@@ -4890,8 +4891,8 @@
         </p:nvSpPr>
         <p:spPr>
           <a:xfrm>
-            <a:off x="3097186" y="280356"/>
-            <a:ext cx="5816024" cy="2623459"/>
+            <a:off x="3054055" y="237224"/>
+            <a:ext cx="6074815" cy="2623459"/>
           </a:xfrm>
         </p:spPr>
         <p:txBody>
@@ -4906,7 +4907,7 @@
                 <a:latin typeface="Arial Nova"/>
                 <a:cs typeface="Calibri Light"/>
               </a:rPr>
-              <a:t>TRIBO INDÍGENA</a:t>
+              <a:t>GRUPO INDÍGENA</a:t>
             </a:r>
             <a:br>
               <a:rPr lang="en-US" sz="6100" dirty="0">
@@ -4950,7 +4951,7 @@
         </p:nvSpPr>
         <p:spPr>
           <a:xfrm>
-            <a:off x="2494226" y="3145805"/>
+            <a:off x="2494226" y="3160182"/>
             <a:ext cx="8163931" cy="1160213"/>
           </a:xfrm>
         </p:spPr>
@@ -5415,7 +5416,7 @@
         </p:nvSpPr>
         <p:spPr>
           <a:xfrm>
-            <a:off x="1979204" y="491754"/>
+            <a:off x="1720412" y="161075"/>
             <a:ext cx="7958331" cy="1077229"/>
           </a:xfrm>
         </p:spPr>
@@ -5428,11 +5429,20 @@
             <a:pPr algn="l"/>
             <a:r>
               <a:rPr lang="en-US" sz="4400" b="1" dirty="0">
+                <a:solidFill>
+                  <a:srgbClr val="00B050"/>
+                </a:solidFill>
                 <a:latin typeface="Arial Nova"/>
                 <a:cs typeface="Calibri Light"/>
               </a:rPr>
               <a:t>LÍNGUA E HISTÓRIA</a:t>
             </a:r>
+            <a:endParaRPr lang="en-US">
+              <a:solidFill>
+                <a:srgbClr val="00B050"/>
+              </a:solidFill>
+              <a:cs typeface="Arial" panose="020B0604020202020204"/>
+            </a:endParaRPr>
           </a:p>
         </p:txBody>
       </p:sp>
@@ -5580,7 +5590,7 @@
         </p:nvSpPr>
         <p:spPr>
           <a:xfrm>
-            <a:off x="2610579" y="2052116"/>
+            <a:off x="2351786" y="1836456"/>
             <a:ext cx="7959560" cy="3997828"/>
           </a:xfrm>
         </p:spPr>
@@ -5596,7 +5606,7 @@
               </a:lnSpc>
             </a:pPr>
             <a:r>
-              <a:rPr lang="pt-BR" sz="1800" dirty="0">
+              <a:rPr lang="pt-BR" dirty="0">
                 <a:latin typeface="Arial Nova"/>
                 <a:ea typeface="+mn-lt"/>
                 <a:cs typeface="+mn-lt"/>
@@ -5604,7 +5614,7 @@
               <a:t>Os </a:t>
             </a:r>
             <a:r>
-              <a:rPr lang="pt-BR" sz="1800" err="1">
+              <a:rPr lang="pt-BR" err="1">
                 <a:latin typeface="Arial Nova"/>
                 <a:ea typeface="+mn-lt"/>
                 <a:cs typeface="+mn-lt"/>
@@ -5612,94 +5622,78 @@
               <a:t>Kulina</a:t>
             </a:r>
             <a:r>
-              <a:rPr lang="pt-BR" sz="1800" dirty="0">
+              <a:rPr lang="pt-BR" dirty="0">
                 <a:latin typeface="Arial Nova"/>
                 <a:ea typeface="+mn-lt"/>
                 <a:cs typeface="+mn-lt"/>
               </a:rPr>
-              <a:t> são pertencentes à família </a:t>
-            </a:r>
-            <a:r>
-              <a:rPr lang="pt-BR" sz="1800" err="1">
+              <a:t> são pertencentes à família linguística </a:t>
+            </a:r>
+            <a:r>
+              <a:rPr lang="pt-BR" err="1">
                 <a:latin typeface="Arial Nova"/>
                 <a:ea typeface="+mn-lt"/>
                 <a:cs typeface="+mn-lt"/>
               </a:rPr>
-              <a:t>lingüística</a:t>
-            </a:r>
-            <a:r>
-              <a:rPr lang="pt-BR" sz="1800" dirty="0">
+              <a:t>Arawá</a:t>
+            </a:r>
+            <a:r>
+              <a:rPr lang="pt-BR" dirty="0">
                 <a:latin typeface="Arial Nova"/>
                 <a:ea typeface="+mn-lt"/>
                 <a:cs typeface="+mn-lt"/>
               </a:rPr>
-              <a:t> </a:t>
-            </a:r>
-            <a:r>
-              <a:rPr lang="pt-BR" sz="1800" err="1">
+              <a:t> e, até a chegada dos brancos, foram um dos grupos mais numerosos no estado do Acre e sul do Amazonas. Sua autodenominação é </a:t>
+            </a:r>
+            <a:r>
+              <a:rPr lang="pt-BR" err="1">
                 <a:latin typeface="Arial Nova"/>
                 <a:ea typeface="+mn-lt"/>
                 <a:cs typeface="+mn-lt"/>
               </a:rPr>
-              <a:t>Arawá</a:t>
-            </a:r>
-            <a:r>
-              <a:rPr lang="pt-BR" sz="1800" dirty="0">
+              <a:t>madija</a:t>
+            </a:r>
+            <a:r>
+              <a:rPr lang="pt-BR" dirty="0">
                 <a:latin typeface="Arial Nova"/>
                 <a:ea typeface="+mn-lt"/>
                 <a:cs typeface="+mn-lt"/>
               </a:rPr>
-              <a:t> e, até a chegada dos brancos, foram um dos grupos mais numerosos no estado do Acre e sul do Amazonas. Sua autodenominação é </a:t>
-            </a:r>
-            <a:r>
-              <a:rPr lang="pt-BR" sz="1800" err="1">
+              <a:t> (pronuncia-se </a:t>
+            </a:r>
+            <a:r>
+              <a:rPr lang="pt-BR" err="1">
                 <a:latin typeface="Arial Nova"/>
                 <a:ea typeface="+mn-lt"/>
                 <a:cs typeface="+mn-lt"/>
               </a:rPr>
-              <a:t>madija</a:t>
-            </a:r>
-            <a:r>
-              <a:rPr lang="pt-BR" sz="1800" dirty="0">
+              <a:t>madirrá</a:t>
+            </a:r>
+            <a:r>
+              <a:rPr lang="pt-BR" dirty="0">
                 <a:latin typeface="Arial Nova"/>
                 <a:ea typeface="+mn-lt"/>
                 <a:cs typeface="+mn-lt"/>
               </a:rPr>
-              <a:t> (pronuncia-se </a:t>
-            </a:r>
-            <a:r>
-              <a:rPr lang="pt-BR" sz="1800" err="1">
+              <a:t>) que significa "os que são gente", sendo os brancos tratados genericamente por </a:t>
+            </a:r>
+            <a:r>
+              <a:rPr lang="pt-BR" err="1">
                 <a:latin typeface="Arial Nova"/>
                 <a:ea typeface="+mn-lt"/>
                 <a:cs typeface="+mn-lt"/>
               </a:rPr>
-              <a:t>madirrá</a:t>
-            </a:r>
-            <a:r>
-              <a:rPr lang="pt-BR" sz="1800" dirty="0">
+              <a:t>cariás</a:t>
+            </a:r>
+            <a:r>
+              <a:rPr lang="pt-BR" dirty="0">
                 <a:latin typeface="Arial Nova"/>
                 <a:ea typeface="+mn-lt"/>
                 <a:cs typeface="+mn-lt"/>
               </a:rPr>
-              <a:t>) que significa "os que são gente", sendo os brancos tratados genericamente por </a:t>
-            </a:r>
-            <a:r>
-              <a:rPr lang="pt-BR" sz="1800" err="1">
-                <a:latin typeface="Arial Nova"/>
-                <a:ea typeface="+mn-lt"/>
-                <a:cs typeface="+mn-lt"/>
-              </a:rPr>
-              <a:t>cariás</a:t>
-            </a:r>
-            <a:r>
-              <a:rPr lang="pt-BR" sz="1800" dirty="0">
-                <a:latin typeface="Arial Nova"/>
-                <a:ea typeface="+mn-lt"/>
-                <a:cs typeface="+mn-lt"/>
-              </a:rPr>
               <a:t>.</a:t>
             </a:r>
-            <a:endParaRPr lang="en-US" sz="1800">
+            <a:endParaRPr lang="en-US">
               <a:latin typeface="Arial Nova"/>
               <a:ea typeface="+mn-lt"/>
               <a:cs typeface="+mn-lt"/>
@@ -5712,7 +5706,7 @@
               </a:lnSpc>
             </a:pPr>
             <a:r>
-              <a:rPr lang="pt-BR" sz="1800" dirty="0">
+              <a:rPr lang="pt-BR" dirty="0">
                 <a:latin typeface="Arial Nova"/>
                 <a:ea typeface="+mn-lt"/>
                 <a:cs typeface="+mn-lt"/>
@@ -5720,7 +5714,7 @@
               <a:t>Os </a:t>
             </a:r>
             <a:r>
-              <a:rPr lang="pt-BR" sz="1800" err="1">
+              <a:rPr lang="pt-BR" err="1">
                 <a:latin typeface="Arial Nova"/>
                 <a:ea typeface="+mn-lt"/>
                 <a:cs typeface="+mn-lt"/>
@@ -5728,7 +5722,7 @@
               <a:t>madija</a:t>
             </a:r>
             <a:r>
-              <a:rPr lang="pt-BR" sz="1800" dirty="0">
+              <a:rPr lang="pt-BR" dirty="0">
                 <a:latin typeface="Arial Nova"/>
                 <a:ea typeface="+mn-lt"/>
                 <a:cs typeface="+mn-lt"/>
@@ -5736,7 +5730,7 @@
               <a:t> falam predominantemente a língua </a:t>
             </a:r>
             <a:r>
-              <a:rPr lang="pt-BR" sz="1800" err="1">
+              <a:rPr lang="pt-BR" err="1">
                 <a:latin typeface="Arial Nova"/>
                 <a:ea typeface="+mn-lt"/>
                 <a:cs typeface="+mn-lt"/>
@@ -5744,28 +5738,12 @@
               <a:t>Kulina</a:t>
             </a:r>
             <a:r>
-              <a:rPr lang="pt-BR" sz="1800" dirty="0">
+              <a:rPr lang="pt-BR" dirty="0">
                 <a:latin typeface="Arial Nova"/>
                 <a:ea typeface="+mn-lt"/>
                 <a:cs typeface="+mn-lt"/>
               </a:rPr>
-              <a:t> nas aldeias, inclusive as crianças, sendo quase todos os (raros) </a:t>
-            </a:r>
-            <a:r>
-              <a:rPr lang="pt-BR" sz="1800" err="1">
-                <a:latin typeface="Arial Nova"/>
-                <a:ea typeface="+mn-lt"/>
-                <a:cs typeface="+mn-lt"/>
-              </a:rPr>
-              <a:t>bilíngües</a:t>
-            </a:r>
-            <a:r>
-              <a:rPr lang="pt-BR" sz="1800" dirty="0">
-                <a:latin typeface="Arial Nova"/>
-                <a:ea typeface="+mn-lt"/>
-                <a:cs typeface="+mn-lt"/>
-              </a:rPr>
-              <a:t> do sexo masculino e mais velhos. Geralmente, estes bilíngues são os que trabalharam na juventude para os patrões brancos nos seringais e na extração de madeira que têm mais conhecimento da língua portuguesa.</a:t>
+              <a:t> nas aldeias, inclusive as crianças, sendo quase todos os (raros) bilíngues do sexo masculino e mais velhos. Geralmente, estes bilíngues são os que trabalharam na juventude para os patrões brancos nos seringais e na extração de madeira que têm mais conhecimento da língua portuguesa.</a:t>
             </a:r>
           </a:p>
           <a:p>
@@ -5775,30 +5753,14 @@
               </a:lnSpc>
             </a:pPr>
             <a:r>
-              <a:rPr lang="pt-BR" sz="1800" dirty="0">
+              <a:rPr lang="pt-BR" dirty="0">
                 <a:latin typeface="Arial Nova"/>
                 <a:ea typeface="+mn-lt"/>
                 <a:cs typeface="+mn-lt"/>
               </a:rPr>
-              <a:t>O estilo </a:t>
-            </a:r>
-            <a:r>
-              <a:rPr lang="pt-BR" sz="1800" err="1">
-                <a:latin typeface="Arial Nova"/>
-                <a:ea typeface="+mn-lt"/>
-                <a:cs typeface="+mn-lt"/>
-              </a:rPr>
-              <a:t>lingüístico</a:t>
-            </a:r>
-            <a:r>
-              <a:rPr lang="pt-BR" sz="1800" dirty="0">
-                <a:latin typeface="Arial Nova"/>
-                <a:ea typeface="+mn-lt"/>
-                <a:cs typeface="+mn-lt"/>
-              </a:rPr>
-              <a:t> feminino é marcadamente diferente do masculino: há oclusão de vogais, condensação de palavras inteiras, às vezes criando situações em que a simples tradução de um trecho de quatro ou cinco palavras torna-se tarefa complicada.</a:t>
-            </a:r>
-            <a:endParaRPr lang="en-US" sz="1800">
+              <a:t>O estilo linguístico feminino é marcadamente diferente do masculino: há oclusão de vogais, condensação de palavras inteiras, às vezes criando situações em que a simples tradução de um trecho de quatro ou cinco palavras torna-se tarefa complicada.</a:t>
+            </a:r>
+            <a:endParaRPr lang="en-US">
               <a:latin typeface="Arial Nova"/>
               <a:ea typeface="+mn-lt"/>
               <a:cs typeface="+mn-lt"/>
@@ -6079,6 +6041,9 @@
             <a:pPr algn="l"/>
             <a:r>
               <a:rPr lang="en-US" sz="4400" b="1" dirty="0">
+                <a:solidFill>
+                  <a:srgbClr val="92D050"/>
+                </a:solidFill>
                 <a:cs typeface="Arial" panose="020B0604020202020204"/>
               </a:rPr>
               <a:t>LOCALIZAÇÃO E POPULAÇÃO</a:t>
@@ -6249,7 +6214,7 @@
               <a:t>Grande </a:t>
             </a:r>
             <a:r>
-              <a:rPr lang="en-US" sz="2400" err="1">
+              <a:rPr lang="en-US" sz="2400" dirty="0" err="1">
                 <a:ea typeface="+mn-lt"/>
                 <a:cs typeface="+mn-lt"/>
               </a:rPr>
@@ -6263,7 +6228,7 @@
               <a:t> da </a:t>
             </a:r>
             <a:r>
-              <a:rPr lang="en-US" sz="2400" err="1">
+              <a:rPr lang="en-US" sz="2400" dirty="0" err="1">
                 <a:ea typeface="+mn-lt"/>
                 <a:cs typeface="+mn-lt"/>
               </a:rPr>
@@ -6277,7 +6242,7 @@
               <a:t> </a:t>
             </a:r>
             <a:r>
-              <a:rPr lang="en-US" sz="2400" err="1">
+              <a:rPr lang="en-US" sz="2400" dirty="0" err="1">
                 <a:ea typeface="+mn-lt"/>
                 <a:cs typeface="+mn-lt"/>
               </a:rPr>
@@ -6291,7 +6256,7 @@
               <a:t> </a:t>
             </a:r>
             <a:r>
-              <a:rPr lang="en-US" sz="2400" err="1">
+              <a:rPr lang="en-US" sz="2400" dirty="0" err="1">
                 <a:ea typeface="+mn-lt"/>
                 <a:cs typeface="+mn-lt"/>
               </a:rPr>
@@ -6305,7 +6270,7 @@
               <a:t>-se </a:t>
             </a:r>
             <a:r>
-              <a:rPr lang="en-US" sz="2400" err="1">
+              <a:rPr lang="en-US" sz="2400" dirty="0" err="1">
                 <a:ea typeface="+mn-lt"/>
                 <a:cs typeface="+mn-lt"/>
               </a:rPr>
@@ -6319,7 +6284,7 @@
               <a:t> </a:t>
             </a:r>
             <a:r>
-              <a:rPr lang="en-US" sz="2400" err="1">
+              <a:rPr lang="en-US" sz="2400" dirty="0" err="1">
                 <a:ea typeface="+mn-lt"/>
                 <a:cs typeface="+mn-lt"/>
               </a:rPr>
@@ -6333,7 +6298,7 @@
               <a:t> do </a:t>
             </a:r>
             <a:r>
-              <a:rPr lang="en-US" sz="2400" err="1">
+              <a:rPr lang="en-US" sz="2400" dirty="0" err="1">
                 <a:ea typeface="+mn-lt"/>
                 <a:cs typeface="+mn-lt"/>
               </a:rPr>
@@ -6347,7 +6312,7 @@
               <a:t> com o Peru. No </a:t>
             </a:r>
             <a:r>
-              <a:rPr lang="en-US" sz="2400" err="1">
+              <a:rPr lang="en-US" sz="2400" dirty="0" err="1">
                 <a:ea typeface="+mn-lt"/>
                 <a:cs typeface="+mn-lt"/>
               </a:rPr>
@@ -6361,7 +6326,7 @@
               <a:t> </a:t>
             </a:r>
             <a:r>
-              <a:rPr lang="en-US" sz="2400" err="1">
+              <a:rPr lang="en-US" sz="2400" dirty="0" err="1">
                 <a:ea typeface="+mn-lt"/>
                 <a:cs typeface="+mn-lt"/>
               </a:rPr>
@@ -6375,7 +6340,7 @@
               <a:t> </a:t>
             </a:r>
             <a:r>
-              <a:rPr lang="en-US" sz="2400" err="1">
+              <a:rPr lang="en-US" sz="2400" dirty="0" err="1">
                 <a:ea typeface="+mn-lt"/>
                 <a:cs typeface="+mn-lt"/>
               </a:rPr>
@@ -6389,7 +6354,7 @@
               <a:t> aldeias </a:t>
             </a:r>
             <a:r>
-              <a:rPr lang="en-US" sz="2400" err="1">
+              <a:rPr lang="en-US" sz="2400" dirty="0" err="1">
                 <a:ea typeface="+mn-lt"/>
                 <a:cs typeface="+mn-lt"/>
               </a:rPr>
@@ -6403,7 +6368,7 @@
               <a:t> </a:t>
             </a:r>
             <a:r>
-              <a:rPr lang="en-US" sz="2400" err="1">
+              <a:rPr lang="en-US" sz="2400" dirty="0" err="1">
                 <a:ea typeface="+mn-lt"/>
                 <a:cs typeface="+mn-lt"/>
               </a:rPr>
@@ -6417,7 +6382,7 @@
               <a:t> dos </a:t>
             </a:r>
             <a:r>
-              <a:rPr lang="en-US" sz="2400" err="1">
+              <a:rPr lang="en-US" sz="2400" dirty="0" err="1">
                 <a:ea typeface="+mn-lt"/>
                 <a:cs typeface="+mn-lt"/>
               </a:rPr>
@@ -6428,94 +6393,122 @@
                 <a:ea typeface="+mn-lt"/>
                 <a:cs typeface="+mn-lt"/>
               </a:rPr>
-              <a:t> Juruá e Purus (Acre). </a:t>
-            </a:r>
-            <a:r>
-              <a:rPr lang="en-US" sz="2400">
+              <a:t> Juruá e Purus (Acre). Segundo dados da Siasi/</a:t>
+            </a:r>
+            <a:r>
+              <a:rPr lang="en-US" sz="2400" dirty="0" err="1">
                 <a:ea typeface="+mn-lt"/>
                 <a:cs typeface="+mn-lt"/>
               </a:rPr>
-              <a:t>Segundo dados da Siasi/Sesai (2014), </a:t>
-            </a:r>
-            <a:r>
-              <a:rPr lang="en-US" sz="2400" err="1">
-                <a:ea typeface="+mn-lt"/>
-                <a:cs typeface="+mn-lt"/>
-              </a:rPr>
-              <a:t>os</a:t>
-            </a:r>
-            <a:r>
-              <a:rPr lang="en-US" sz="2400">
-                <a:ea typeface="+mn-lt"/>
-                <a:cs typeface="+mn-lt"/>
-              </a:rPr>
-              <a:t> Kulina do Acre totalizavam 7.600 indivíduos, com </a:t>
-            </a:r>
-            <a:r>
-              <a:rPr lang="en-US" sz="2400" err="1">
-                <a:ea typeface="+mn-lt"/>
-                <a:cs typeface="+mn-lt"/>
-              </a:rPr>
-              <a:t>uma</a:t>
+              <a:t>Sesai</a:t>
             </a:r>
             <a:r>
               <a:rPr lang="en-US" sz="2400" dirty="0">
                 <a:ea typeface="+mn-lt"/>
                 <a:cs typeface="+mn-lt"/>
               </a:rPr>
-              <a:t> </a:t>
-            </a:r>
-            <a:r>
-              <a:rPr lang="en-US" sz="2400" err="1">
+              <a:t> (2014), </a:t>
+            </a:r>
+            <a:r>
+              <a:rPr lang="en-US" sz="2400" dirty="0" err="1">
                 <a:ea typeface="+mn-lt"/>
                 <a:cs typeface="+mn-lt"/>
               </a:rPr>
-              <a:t>minoria</a:t>
+              <a:t>os</a:t>
             </a:r>
             <a:r>
               <a:rPr lang="en-US" sz="2400" dirty="0">
                 <a:ea typeface="+mn-lt"/>
                 <a:cs typeface="+mn-lt"/>
               </a:rPr>
-              <a:t> </a:t>
-            </a:r>
-            <a:r>
-              <a:rPr lang="en-US" sz="2400" err="1">
+              <a:t> Kulina do Acre </a:t>
+            </a:r>
+            <a:r>
+              <a:rPr lang="en-US" sz="2400" dirty="0" err="1">
                 <a:ea typeface="+mn-lt"/>
                 <a:cs typeface="+mn-lt"/>
               </a:rPr>
-              <a:t>vivendo</a:t>
-            </a:r>
-            <a:r>
-              <a:rPr lang="en-US" sz="2400">
-                <a:ea typeface="+mn-lt"/>
-                <a:cs typeface="+mn-lt"/>
-              </a:rPr>
-              <a:t> no Peru, com </a:t>
-            </a:r>
-            <a:r>
-              <a:rPr lang="en-US" sz="2400" err="1">
-                <a:ea typeface="+mn-lt"/>
-                <a:cs typeface="+mn-lt"/>
-              </a:rPr>
-              <a:t>cerca</a:t>
+              <a:t>totalizavam</a:t>
             </a:r>
             <a:r>
               <a:rPr lang="en-US" sz="2400" dirty="0">
                 <a:ea typeface="+mn-lt"/>
                 <a:cs typeface="+mn-lt"/>
               </a:rPr>
-              <a:t> </a:t>
-            </a:r>
-            <a:r>
-              <a:rPr lang="en-US" sz="2400">
+              <a:t> 7.100 </a:t>
+            </a:r>
+            <a:r>
+              <a:rPr lang="en-US" sz="2400" dirty="0" err="1">
                 <a:ea typeface="+mn-lt"/>
                 <a:cs typeface="+mn-lt"/>
               </a:rPr>
-              <a:t>de 400 </a:t>
-            </a:r>
-            <a:r>
-              <a:rPr lang="en-US" sz="2400" err="1">
+              <a:t>indivíduos</a:t>
+            </a:r>
+            <a:r>
+              <a:rPr lang="en-US" sz="2400" dirty="0">
+                <a:ea typeface="+mn-lt"/>
+                <a:cs typeface="+mn-lt"/>
+              </a:rPr>
+              <a:t>, com </a:t>
+            </a:r>
+            <a:r>
+              <a:rPr lang="en-US" sz="2400" dirty="0" err="1">
+                <a:ea typeface="+mn-lt"/>
+                <a:cs typeface="+mn-lt"/>
+              </a:rPr>
+              <a:t>uma</a:t>
+            </a:r>
+            <a:r>
+              <a:rPr lang="en-US" sz="2400" dirty="0">
+                <a:ea typeface="+mn-lt"/>
+                <a:cs typeface="+mn-lt"/>
+              </a:rPr>
+              <a:t> </a:t>
+            </a:r>
+            <a:r>
+              <a:rPr lang="en-US" sz="2400" dirty="0" err="1">
+                <a:ea typeface="+mn-lt"/>
+                <a:cs typeface="+mn-lt"/>
+              </a:rPr>
+              <a:t>minoria</a:t>
+            </a:r>
+            <a:r>
+              <a:rPr lang="en-US" sz="2400" dirty="0">
+                <a:ea typeface="+mn-lt"/>
+                <a:cs typeface="+mn-lt"/>
+              </a:rPr>
+              <a:t> </a:t>
+            </a:r>
+            <a:r>
+              <a:rPr lang="en-US" sz="2400" dirty="0" err="1">
+                <a:ea typeface="+mn-lt"/>
+                <a:cs typeface="+mn-lt"/>
+              </a:rPr>
+              <a:t>vivendo</a:t>
+            </a:r>
+            <a:r>
+              <a:rPr lang="en-US" sz="2400" dirty="0">
+                <a:ea typeface="+mn-lt"/>
+                <a:cs typeface="+mn-lt"/>
+              </a:rPr>
+              <a:t> no Peru, com </a:t>
+            </a:r>
+            <a:r>
+              <a:rPr lang="en-US" sz="2400" dirty="0" err="1">
+                <a:ea typeface="+mn-lt"/>
+                <a:cs typeface="+mn-lt"/>
+              </a:rPr>
+              <a:t>cerca</a:t>
+            </a:r>
+            <a:r>
+              <a:rPr lang="en-US" sz="2400" dirty="0">
+                <a:ea typeface="+mn-lt"/>
+                <a:cs typeface="+mn-lt"/>
+              </a:rPr>
+              <a:t> de 400 </a:t>
+            </a:r>
+            <a:r>
+              <a:rPr lang="en-US" sz="2400" dirty="0" err="1">
                 <a:ea typeface="+mn-lt"/>
                 <a:cs typeface="+mn-lt"/>
               </a:rPr>
@@ -6807,6 +6800,9 @@
             <a:pPr algn="l"/>
             <a:r>
               <a:rPr lang="en-US" sz="4400" b="1" dirty="0">
+                <a:solidFill>
+                  <a:srgbClr val="FF0000"/>
+                </a:solidFill>
                 <a:cs typeface="Arial" panose="020B0604020202020204"/>
               </a:rPr>
               <a:t>DOENÇAS E O XAMANISMO</a:t>
@@ -7352,6 +7348,9 @@
             <a:pPr algn="l"/>
             <a:r>
               <a:rPr lang="en-US" sz="4400" b="1" dirty="0">
+                <a:solidFill>
+                  <a:srgbClr val="7FEB9D"/>
+                </a:solidFill>
                 <a:cs typeface="Arial" panose="020B0604020202020204"/>
               </a:rPr>
               <a:t>CULTURA</a:t>
@@ -7857,11 +7856,19 @@
             <a:pPr algn="l"/>
             <a:r>
               <a:rPr lang="en-US" sz="4400" b="1" dirty="0">
+                <a:solidFill>
+                  <a:srgbClr val="C22F3B"/>
+                </a:solidFill>
                 <a:cs typeface="Arial" panose="020B0604020202020204"/>
               </a:rPr>
               <a:t>KULINARIA</a:t>
             </a:r>
-            <a:endParaRPr lang="en-US" sz="4400" dirty="0"/>
+            <a:endParaRPr lang="en-US" sz="4400">
+              <a:solidFill>
+                <a:srgbClr val="C22F3B"/>
+              </a:solidFill>
+              <a:cs typeface="Arial"/>
+            </a:endParaRPr>
           </a:p>
         </p:txBody>
       </p:sp>
@@ -8039,7 +8046,7 @@
                 <a:ea typeface="+mn-lt"/>
                 <a:cs typeface="+mn-lt"/>
               </a:rPr>
-              <a:t> são famosas pela sua culinária que, embora de cardápio relativamente simples e repetitivo, produz pratos deliciosos, tais como os peixes moqueados, cozidos, as sopas de tatu, carne de porco cozida com ervas, mingau feito com água e banana defumada (</a:t>
+              <a:t> são famosas pela sua culinária que, embora de cardápio relativamente simples e repetitivo, produzem pratos típicos brasileiros, tais como os peixes moqueados e cozidos, as sopas de tatu, carne de porco cozida com ervas, mingau feito com água e banana defumada (</a:t>
             </a:r>
             <a:r>
               <a:rPr lang="pt-BR" sz="2400" dirty="0" err="1">
@@ -8067,9 +8074,9 @@
                 <a:ea typeface="+mn-lt"/>
                 <a:cs typeface="+mn-lt"/>
               </a:rPr>
-              <a:t>), entre outras delícias herdadas de gerações.</a:t>
-            </a:r>
-            <a:endParaRPr lang="en-US" sz="2400">
+              <a:t>), entre outros herdados de gerações.</a:t>
+            </a:r>
+            <a:endParaRPr lang="en-US" sz="2400" dirty="0">
               <a:ea typeface="+mn-lt"/>
               <a:cs typeface="+mn-lt"/>
             </a:endParaRPr>
@@ -8349,6 +8356,11 @@
             <a:pPr algn="ctr"/>
             <a:r>
               <a:rPr lang="en-US" sz="4400" b="1" dirty="0">
+                <a:solidFill>
+                  <a:schemeClr val="tx2">
+                    <a:lumMod val="50000"/>
+                  </a:schemeClr>
+                </a:solidFill>
                 <a:cs typeface="Arial"/>
               </a:rPr>
               <a:t>CRÉDITOS FINAIS</a:t>
@@ -8525,7 +8537,10 @@
               <a:buNone/>
             </a:pPr>
             <a:r>
-              <a:rPr lang="en-US" sz="3200">
+              <a:rPr lang="en-US" sz="3200" dirty="0">
+                <a:solidFill>
+                  <a:srgbClr val="F7ED7C"/>
+                </a:solidFill>
                 <a:cs typeface="Arial" panose="020B0604020202020204"/>
               </a:rPr>
               <a:t> - GABRIEL DE SOUZA SANTOS</a:t>
@@ -8536,7 +8551,10 @@
               <a:buNone/>
             </a:pPr>
             <a:r>
-              <a:rPr lang="en-US" sz="3200">
+              <a:rPr lang="en-US" sz="3200" dirty="0">
+                <a:solidFill>
+                  <a:srgbClr val="F7ED7C"/>
+                </a:solidFill>
                 <a:cs typeface="Arial" panose="020B0604020202020204"/>
               </a:rPr>
               <a:t> - RAFAEL NEVES NASCIMENTO</a:t>
@@ -8547,14 +8565,14 @@
               <a:buNone/>
             </a:pPr>
             <a:r>
-              <a:rPr lang="en-US" sz="3200">
+              <a:rPr lang="en-US" sz="3200" dirty="0">
+                <a:solidFill>
+                  <a:srgbClr val="F7ED7C"/>
+                </a:solidFill>
                 <a:cs typeface="Arial" panose="020B0604020202020204"/>
               </a:rPr>
               <a:t> - PEDRO LUCAS APARECIDO SILVA</a:t>
             </a:r>
-            <a:endParaRPr lang="en-US" sz="3200" dirty="0">
-              <a:cs typeface="Arial" panose="020B0604020202020204"/>
-            </a:endParaRPr>
           </a:p>
         </p:txBody>
       </p:sp>
